--- a/第六周/开题.pptx
+++ b/第六周/开题.pptx
@@ -5,7 +5,7 @@
     <p:sldMasterId id="2147483648" r:id="rId1"/>
   </p:sldMasterIdLst>
   <p:notesMasterIdLst>
-    <p:notesMasterId r:id="rId12"/>
+    <p:notesMasterId r:id="rId13"/>
   </p:notesMasterIdLst>
   <p:sldIdLst>
     <p:sldId id="804" r:id="rId2"/>
@@ -17,12 +17,13 @@
     <p:sldId id="926" r:id="rId8"/>
     <p:sldId id="918" r:id="rId9"/>
     <p:sldId id="928" r:id="rId10"/>
-    <p:sldId id="881" r:id="rId11"/>
+    <p:sldId id="932" r:id="rId11"/>
+    <p:sldId id="881" r:id="rId12"/>
   </p:sldIdLst>
   <p:sldSz cx="12192000" cy="6858000"/>
   <p:notesSz cx="6858000" cy="9144000"/>
   <p:custDataLst>
-    <p:tags r:id="rId13"/>
+    <p:tags r:id="rId14"/>
   </p:custDataLst>
   <p:defaultTextStyle>
     <a:defPPr>
@@ -6796,6 +6797,169 @@
   <p:cSld>
     <p:spTree>
       <p:nvGrpSpPr>
+        <p:cNvPr id="1" name="">
+          <a:extLst>
+            <a:ext uri="{FF2B5EF4-FFF2-40B4-BE49-F238E27FC236}">
+              <a16:creationId xmlns:a16="http://schemas.microsoft.com/office/drawing/2014/main" id="{BFA587D2-C567-BC91-0DCC-64AFBC40F783}"/>
+            </a:ext>
+          </a:extLst>
+        </p:cNvPr>
+        <p:cNvGrpSpPr/>
+        <p:nvPr/>
+      </p:nvGrpSpPr>
+      <p:grpSpPr>
+        <a:xfrm>
+          <a:off x="0" y="0"/>
+          <a:ext cx="0" cy="0"/>
+          <a:chOff x="0" y="0"/>
+          <a:chExt cx="0" cy="0"/>
+        </a:xfrm>
+      </p:grpSpPr>
+      <p:sp>
+        <p:nvSpPr>
+          <p:cNvPr id="2" name="幻灯片图像占位符 1">
+            <a:extLst>
+              <a:ext uri="{FF2B5EF4-FFF2-40B4-BE49-F238E27FC236}">
+                <a16:creationId xmlns:a16="http://schemas.microsoft.com/office/drawing/2014/main" id="{1C14273A-36C1-2468-FA42-C903645CF9AA}"/>
+              </a:ext>
+            </a:extLst>
+          </p:cNvPr>
+          <p:cNvSpPr>
+            <a:spLocks noGrp="1" noRot="1" noChangeAspect="1"/>
+          </p:cNvSpPr>
+          <p:nvPr>
+            <p:ph type="sldImg"/>
+          </p:nvPr>
+        </p:nvSpPr>
+        <p:spPr/>
+      </p:sp>
+      <p:sp>
+        <p:nvSpPr>
+          <p:cNvPr id="3" name="备注占位符 2">
+            <a:extLst>
+              <a:ext uri="{FF2B5EF4-FFF2-40B4-BE49-F238E27FC236}">
+                <a16:creationId xmlns:a16="http://schemas.microsoft.com/office/drawing/2014/main" id="{A6A49C9D-10C5-7634-0D09-BFB90CB8D6BC}"/>
+              </a:ext>
+            </a:extLst>
+          </p:cNvPr>
+          <p:cNvSpPr>
+            <a:spLocks noGrp="1"/>
+          </p:cNvSpPr>
+          <p:nvPr>
+            <p:ph type="body" idx="1"/>
+          </p:nvPr>
+        </p:nvSpPr>
+        <p:spPr/>
+        <p:txBody>
+          <a:bodyPr/>
+          <a:lstStyle/>
+          <a:p>
+            <a:pPr marL="0" marR="0" algn="just">
+              <a:spcBef>
+                <a:spcPts val="0"/>
+              </a:spcBef>
+              <a:spcAft>
+                <a:spcPts val="785"/>
+              </a:spcAft>
+            </a:pPr>
+            <a:endParaRPr lang="zh-CN" altLang="en-US" sz="1800" kern="100" dirty="0">
+              <a:effectLst/>
+              <a:latin typeface="Calibri" panose="020F0502020204030204" pitchFamily="34" charset="0"/>
+              <a:ea typeface="宋体" panose="02010600030101010101" pitchFamily="2" charset="-122"/>
+              <a:cs typeface="Times New Roman" panose="02020603050405020304" pitchFamily="18" charset="0"/>
+            </a:endParaRPr>
+          </a:p>
+        </p:txBody>
+      </p:sp>
+      <p:sp>
+        <p:nvSpPr>
+          <p:cNvPr id="4" name="灯片编号占位符 3">
+            <a:extLst>
+              <a:ext uri="{FF2B5EF4-FFF2-40B4-BE49-F238E27FC236}">
+                <a16:creationId xmlns:a16="http://schemas.microsoft.com/office/drawing/2014/main" id="{2E497ACC-AE54-CF2E-68D9-E9261A86860A}"/>
+              </a:ext>
+            </a:extLst>
+          </p:cNvPr>
+          <p:cNvSpPr>
+            <a:spLocks noGrp="1"/>
+          </p:cNvSpPr>
+          <p:nvPr>
+            <p:ph type="sldNum" sz="quarter" idx="5"/>
+          </p:nvPr>
+        </p:nvSpPr>
+        <p:spPr/>
+        <p:txBody>
+          <a:bodyPr/>
+          <a:lstStyle/>
+          <a:p>
+            <a:pPr marL="0" marR="0" lvl="0" indent="0" algn="r" defTabSz="914400" rtl="0" eaLnBrk="1" fontAlgn="auto" latinLnBrk="0" hangingPunct="1">
+              <a:lnSpc>
+                <a:spcPct val="100000"/>
+              </a:lnSpc>
+              <a:spcBef>
+                <a:spcPts val="0"/>
+              </a:spcBef>
+              <a:spcAft>
+                <a:spcPts val="0"/>
+              </a:spcAft>
+              <a:buClrTx/>
+              <a:buSzTx/>
+              <a:buFontTx/>
+              <a:buNone/>
+              <a:defRPr/>
+            </a:pPr>
+            <a:fld id="{447F38E9-AEAB-4DCF-AF27-19EFAC5FEA81}" type="slidenum">
+              <a:rPr kumimoji="0" lang="zh-CN" altLang="en-US" sz="1200" b="0" i="0" u="none" strike="noStrike" kern="1200" cap="none" spc="0" normalizeH="0" baseline="0" noProof="0" smtClean="0">
+                <a:ln>
+                  <a:noFill/>
+                </a:ln>
+                <a:solidFill>
+                  <a:prstClr val="black"/>
+                </a:solidFill>
+                <a:effectLst/>
+                <a:uLnTx/>
+                <a:uFillTx/>
+                <a:latin typeface="Calibri" panose="020F0502020204030204"/>
+                <a:ea typeface="宋体" panose="02010600030101010101" pitchFamily="2" charset="-122"/>
+                <a:cs typeface="+mn-cs"/>
+              </a:rPr>
+              <a:t>10</a:t>
+            </a:fld>
+            <a:endParaRPr kumimoji="0" lang="zh-CN" altLang="en-US" sz="1200" b="0" i="0" u="none" strike="noStrike" kern="1200" cap="none" spc="0" normalizeH="0" baseline="0" noProof="0">
+              <a:ln>
+                <a:noFill/>
+              </a:ln>
+              <a:solidFill>
+                <a:prstClr val="black"/>
+              </a:solidFill>
+              <a:effectLst/>
+              <a:uLnTx/>
+              <a:uFillTx/>
+              <a:latin typeface="Calibri" panose="020F0502020204030204"/>
+              <a:ea typeface="宋体" panose="02010600030101010101" pitchFamily="2" charset="-122"/>
+              <a:cs typeface="+mn-cs"/>
+            </a:endParaRPr>
+          </a:p>
+        </p:txBody>
+      </p:sp>
+    </p:spTree>
+    <p:extLst>
+      <p:ext uri="{BB962C8B-B14F-4D97-AF65-F5344CB8AC3E}">
+        <p14:creationId xmlns:p14="http://schemas.microsoft.com/office/powerpoint/2010/main" val="3332916859"/>
+      </p:ext>
+    </p:extLst>
+  </p:cSld>
+  <p:clrMapOvr>
+    <a:masterClrMapping/>
+  </p:clrMapOvr>
+</p:notes>
+</file>
+
+<file path=ppt/notesSlides/notesSlide11.xml><?xml version="1.0" encoding="utf-8"?>
+<p:notes xmlns:a="http://schemas.openxmlformats.org/drawingml/2006/main" xmlns:r="http://schemas.openxmlformats.org/officeDocument/2006/relationships" xmlns:p="http://schemas.openxmlformats.org/presentationml/2006/main">
+  <p:cSld>
+    <p:spTree>
+      <p:nvGrpSpPr>
         <p:cNvPr id="1" name=""/>
         <p:cNvGrpSpPr/>
         <p:nvPr/>
@@ -6856,7 +7020,7 @@
           <a:p>
             <a:fld id="{447F38E9-AEAB-4DCF-AF27-19EFAC5FEA81}" type="slidenum">
               <a:rPr lang="zh-CN" altLang="en-US" smtClean="0"/>
-              <a:t>10</a:t>
+              <a:t>11</a:t>
             </a:fld>
             <a:endParaRPr lang="zh-CN" altLang="en-US"/>
           </a:p>
@@ -12146,6 +12310,520 @@
   <p:cSld>
     <p:spTree>
       <p:nvGrpSpPr>
+        <p:cNvPr id="1" name="">
+          <a:extLst>
+            <a:ext uri="{FF2B5EF4-FFF2-40B4-BE49-F238E27FC236}">
+              <a16:creationId xmlns:a16="http://schemas.microsoft.com/office/drawing/2014/main" id="{DB506E3A-3811-5C43-62CF-0FF54B8623B3}"/>
+            </a:ext>
+          </a:extLst>
+        </p:cNvPr>
+        <p:cNvGrpSpPr/>
+        <p:nvPr/>
+      </p:nvGrpSpPr>
+      <p:grpSpPr>
+        <a:xfrm>
+          <a:off x="0" y="0"/>
+          <a:ext cx="0" cy="0"/>
+          <a:chOff x="0" y="0"/>
+          <a:chExt cx="0" cy="0"/>
+        </a:xfrm>
+      </p:grpSpPr>
+      <p:sp>
+        <p:nvSpPr>
+          <p:cNvPr id="8" name="标题 7">
+            <a:extLst>
+              <a:ext uri="{FF2B5EF4-FFF2-40B4-BE49-F238E27FC236}">
+                <a16:creationId xmlns:a16="http://schemas.microsoft.com/office/drawing/2014/main" id="{B8282AD3-3830-6ED7-4234-1960EA6992BB}"/>
+              </a:ext>
+            </a:extLst>
+          </p:cNvPr>
+          <p:cNvSpPr>
+            <a:spLocks noGrp="1"/>
+          </p:cNvSpPr>
+          <p:nvPr>
+            <p:ph type="title"/>
+          </p:nvPr>
+        </p:nvSpPr>
+        <p:spPr/>
+        <p:txBody>
+          <a:bodyPr>
+            <a:normAutofit/>
+          </a:bodyPr>
+          <a:lstStyle/>
+          <a:p>
+            <a:r>
+              <a:rPr lang="zh-CN" altLang="en-US" dirty="0"/>
+              <a:t>现有工作</a:t>
+            </a:r>
+          </a:p>
+        </p:txBody>
+      </p:sp>
+      <p:cxnSp>
+        <p:nvCxnSpPr>
+          <p:cNvPr id="28" name="直接连接符 27">
+            <a:extLst>
+              <a:ext uri="{FF2B5EF4-FFF2-40B4-BE49-F238E27FC236}">
+                <a16:creationId xmlns:a16="http://schemas.microsoft.com/office/drawing/2014/main" id="{4E64F7CC-40B1-B158-9101-C3BAA0BC0A0F}"/>
+              </a:ext>
+            </a:extLst>
+          </p:cNvPr>
+          <p:cNvCxnSpPr/>
+          <p:nvPr/>
+        </p:nvCxnSpPr>
+        <p:spPr>
+          <a:xfrm>
+            <a:off x="-635" y="6449621"/>
+            <a:ext cx="11510682" cy="0"/>
+          </a:xfrm>
+          <a:prstGeom prst="line">
+            <a:avLst/>
+          </a:prstGeom>
+          <a:ln w="12700">
+            <a:solidFill>
+              <a:srgbClr val="7030A0"/>
+            </a:solidFill>
+          </a:ln>
+        </p:spPr>
+        <p:style>
+          <a:lnRef idx="1">
+            <a:schemeClr val="accent1"/>
+          </a:lnRef>
+          <a:fillRef idx="0">
+            <a:schemeClr val="accent1"/>
+          </a:fillRef>
+          <a:effectRef idx="0">
+            <a:schemeClr val="accent1"/>
+          </a:effectRef>
+          <a:fontRef idx="minor">
+            <a:schemeClr val="tx1"/>
+          </a:fontRef>
+        </p:style>
+      </p:cxnSp>
+      <p:sp>
+        <p:nvSpPr>
+          <p:cNvPr id="32" name="文本框 31">
+            <a:extLst>
+              <a:ext uri="{FF2B5EF4-FFF2-40B4-BE49-F238E27FC236}">
+                <a16:creationId xmlns:a16="http://schemas.microsoft.com/office/drawing/2014/main" id="{7A2FF797-E21A-8445-B7BB-F7D7C3788604}"/>
+              </a:ext>
+            </a:extLst>
+          </p:cNvPr>
+          <p:cNvSpPr txBox="1"/>
+          <p:nvPr/>
+        </p:nvSpPr>
+        <p:spPr>
+          <a:xfrm>
+            <a:off x="0" y="40010"/>
+            <a:ext cx="730046" cy="535531"/>
+          </a:xfrm>
+          <a:prstGeom prst="rect">
+            <a:avLst/>
+          </a:prstGeom>
+          <a:noFill/>
+        </p:spPr>
+        <p:txBody>
+          <a:bodyPr wrap="square" rtlCol="0">
+            <a:spAutoFit/>
+          </a:bodyPr>
+          <a:lstStyle/>
+          <a:p>
+            <a:pPr marL="0" marR="0" lvl="0" indent="0" algn="ctr" defTabSz="914400" rtl="0" eaLnBrk="1" fontAlgn="auto" latinLnBrk="0" hangingPunct="1">
+              <a:lnSpc>
+                <a:spcPct val="90000"/>
+              </a:lnSpc>
+              <a:spcBef>
+                <a:spcPct val="0"/>
+              </a:spcBef>
+              <a:spcAft>
+                <a:spcPts val="0"/>
+              </a:spcAft>
+              <a:buClrTx/>
+              <a:buSzTx/>
+              <a:buFontTx/>
+              <a:buNone/>
+              <a:defRPr/>
+            </a:pPr>
+            <a:r>
+              <a:rPr kumimoji="0" lang="en-US" altLang="zh-CN" sz="3200" b="1" i="0" u="none" strike="noStrike" kern="1200" cap="none" spc="0" normalizeH="0" baseline="0" noProof="0" dirty="0">
+                <a:ln>
+                  <a:noFill/>
+                </a:ln>
+                <a:solidFill>
+                  <a:prstClr val="white"/>
+                </a:solidFill>
+                <a:effectLst/>
+                <a:uLnTx/>
+                <a:uFillTx/>
+                <a:latin typeface="Times New Roman" panose="02020603050405020304" pitchFamily="18" charset="0"/>
+                <a:ea typeface="微软雅黑" panose="020B0503020204020204" pitchFamily="34" charset="-122"/>
+                <a:cs typeface="Times New Roman" panose="02020603050405020304" pitchFamily="18" charset="0"/>
+              </a:rPr>
+              <a:t>3.2</a:t>
+            </a:r>
+          </a:p>
+        </p:txBody>
+      </p:sp>
+      <p:graphicFrame>
+        <p:nvGraphicFramePr>
+          <p:cNvPr id="3" name="表格 2">
+            <a:extLst>
+              <a:ext uri="{FF2B5EF4-FFF2-40B4-BE49-F238E27FC236}">
+                <a16:creationId xmlns:a16="http://schemas.microsoft.com/office/drawing/2014/main" id="{9C6143CF-9B90-71EF-A74A-49E1F4754F8B}"/>
+              </a:ext>
+            </a:extLst>
+          </p:cNvPr>
+          <p:cNvGraphicFramePr>
+            <a:graphicFrameLocks noGrp="1"/>
+          </p:cNvGraphicFramePr>
+          <p:nvPr>
+            <p:extLst>
+              <p:ext uri="{D42A27DB-BD31-4B8C-83A1-F6EECF244321}">
+                <p14:modId xmlns:p14="http://schemas.microsoft.com/office/powerpoint/2010/main" val="2406754076"/>
+              </p:ext>
+            </p:extLst>
+          </p:nvPr>
+        </p:nvGraphicFramePr>
+        <p:xfrm>
+          <a:off x="1721131" y="848907"/>
+          <a:ext cx="8749738" cy="4211320"/>
+        </p:xfrm>
+        <a:graphic>
+          <a:graphicData uri="http://schemas.openxmlformats.org/drawingml/2006/table">
+            <a:tbl>
+              <a:tblPr firstRow="1" bandRow="1">
+                <a:tableStyleId>{5C22544A-7EE6-4342-B048-85BDC9FD1C3A}</a:tableStyleId>
+              </a:tblPr>
+              <a:tblGrid>
+                <a:gridCol w="1833944">
+                  <a:extLst>
+                    <a:ext uri="{9D8B030D-6E8A-4147-A177-3AD203B41FA5}">
+                      <a16:colId xmlns:a16="http://schemas.microsoft.com/office/drawing/2014/main" val="1633113334"/>
+                    </a:ext>
+                  </a:extLst>
+                </a:gridCol>
+                <a:gridCol w="3464971">
+                  <a:extLst>
+                    <a:ext uri="{9D8B030D-6E8A-4147-A177-3AD203B41FA5}">
+                      <a16:colId xmlns:a16="http://schemas.microsoft.com/office/drawing/2014/main" val="374910601"/>
+                    </a:ext>
+                  </a:extLst>
+                </a:gridCol>
+                <a:gridCol w="3450823">
+                  <a:extLst>
+                    <a:ext uri="{9D8B030D-6E8A-4147-A177-3AD203B41FA5}">
+                      <a16:colId xmlns:a16="http://schemas.microsoft.com/office/drawing/2014/main" val="2778858095"/>
+                    </a:ext>
+                  </a:extLst>
+                </a:gridCol>
+              </a:tblGrid>
+              <a:tr h="370840">
+                <a:tc>
+                  <a:txBody>
+                    <a:bodyPr/>
+                    <a:lstStyle/>
+                    <a:p>
+                      <a:pPr algn="ctr"/>
+                      <a:r>
+                        <a:rPr lang="zh-CN" altLang="en-US" dirty="0"/>
+                        <a:t>时间</a:t>
+                      </a:r>
+                    </a:p>
+                  </a:txBody>
+                  <a:tcPr anchor="ctr"/>
+                </a:tc>
+                <a:tc>
+                  <a:txBody>
+                    <a:bodyPr/>
+                    <a:lstStyle/>
+                    <a:p>
+                      <a:pPr algn="ctr"/>
+                      <a:r>
+                        <a:rPr lang="zh-CN" altLang="en-US" dirty="0"/>
+                        <a:t>工作内容</a:t>
+                      </a:r>
+                    </a:p>
+                  </a:txBody>
+                  <a:tcPr anchor="ctr"/>
+                </a:tc>
+                <a:tc>
+                  <a:txBody>
+                    <a:bodyPr/>
+                    <a:lstStyle/>
+                    <a:p>
+                      <a:pPr algn="ctr"/>
+                      <a:r>
+                        <a:rPr lang="zh-CN" altLang="en-US" dirty="0"/>
+                        <a:t>备注</a:t>
+                      </a:r>
+                    </a:p>
+                  </a:txBody>
+                  <a:tcPr anchor="ctr"/>
+                </a:tc>
+                <a:extLst>
+                  <a:ext uri="{0D108BD9-81ED-4DB2-BD59-A6C34878D82A}">
+                    <a16:rowId xmlns:a16="http://schemas.microsoft.com/office/drawing/2014/main" val="2429874664"/>
+                  </a:ext>
+                </a:extLst>
+              </a:tr>
+              <a:tr h="370840">
+                <a:tc>
+                  <a:txBody>
+                    <a:bodyPr/>
+                    <a:lstStyle/>
+                    <a:p>
+                      <a:pPr algn="ctr"/>
+                      <a:r>
+                        <a:rPr lang="zh-CN" altLang="en-US" dirty="0"/>
+                        <a:t>第一周</a:t>
+                      </a:r>
+                    </a:p>
+                  </a:txBody>
+                  <a:tcPr anchor="ctr"/>
+                </a:tc>
+                <a:tc>
+                  <a:txBody>
+                    <a:bodyPr/>
+                    <a:lstStyle/>
+                    <a:p>
+                      <a:pPr marL="0" marR="0" lvl="0" indent="0" algn="ctr" defTabSz="914400" rtl="0" eaLnBrk="1" fontAlgn="auto" latinLnBrk="0" hangingPunct="1">
+                        <a:lnSpc>
+                          <a:spcPct val="100000"/>
+                        </a:lnSpc>
+                        <a:spcBef>
+                          <a:spcPts val="0"/>
+                        </a:spcBef>
+                        <a:spcAft>
+                          <a:spcPts val="0"/>
+                        </a:spcAft>
+                        <a:buClrTx/>
+                        <a:buSzTx/>
+                        <a:buFontTx/>
+                        <a:buNone/>
+                        <a:tabLst/>
+                        <a:defRPr/>
+                      </a:pPr>
+                      <a:r>
+                        <a:rPr lang="zh-CN" altLang="en-US" dirty="0"/>
+                        <a:t>入职，了解公司机器人研发现状，进行环境搭建，学习现有</a:t>
+                      </a:r>
+                      <a:r>
+                        <a:rPr lang="en-US" altLang="zh-CN" dirty="0"/>
+                        <a:t>HIL</a:t>
+                      </a:r>
+                      <a:r>
+                        <a:rPr lang="zh-CN" altLang="en-US" dirty="0"/>
+                        <a:t>代码及台架、</a:t>
+                      </a:r>
+                      <a:r>
+                        <a:rPr lang="en-US" altLang="zh-CN" dirty="0" err="1"/>
+                        <a:t>mujoco</a:t>
+                      </a:r>
+                      <a:r>
+                        <a:rPr lang="zh-CN" altLang="en-US" dirty="0"/>
+                        <a:t>等团队所使用的开源平台</a:t>
+                      </a:r>
+                    </a:p>
+                  </a:txBody>
+                  <a:tcPr anchor="ctr"/>
+                </a:tc>
+                <a:tc>
+                  <a:txBody>
+                    <a:bodyPr/>
+                    <a:lstStyle/>
+                    <a:p>
+                      <a:pPr algn="ctr"/>
+                      <a:r>
+                        <a:rPr lang="zh-CN" altLang="en-US" dirty="0"/>
+                        <a:t>对装配环境的过程进行记录，整理成相关技术文档，方便后续新进同事快速使用（已进行第二台电脑快速安装测试）</a:t>
+                      </a:r>
+                    </a:p>
+                  </a:txBody>
+                  <a:tcPr anchor="ctr"/>
+                </a:tc>
+                <a:extLst>
+                  <a:ext uri="{0D108BD9-81ED-4DB2-BD59-A6C34878D82A}">
+                    <a16:rowId xmlns:a16="http://schemas.microsoft.com/office/drawing/2014/main" val="809670674"/>
+                  </a:ext>
+                </a:extLst>
+              </a:tr>
+              <a:tr h="370840">
+                <a:tc>
+                  <a:txBody>
+                    <a:bodyPr/>
+                    <a:lstStyle/>
+                    <a:p>
+                      <a:pPr algn="ctr"/>
+                      <a:r>
+                        <a:rPr lang="zh-CN" altLang="en-US" dirty="0"/>
+                        <a:t>第二周</a:t>
+                      </a:r>
+                    </a:p>
+                  </a:txBody>
+                  <a:tcPr anchor="ctr"/>
+                </a:tc>
+                <a:tc>
+                  <a:txBody>
+                    <a:bodyPr/>
+                    <a:lstStyle/>
+                    <a:p>
+                      <a:pPr algn="ctr"/>
+                      <a:r>
+                        <a:rPr lang="zh-CN" altLang="en-US" dirty="0"/>
+                        <a:t>了解</a:t>
+                      </a:r>
+                      <a:r>
+                        <a:rPr lang="en-US" altLang="zh-CN" dirty="0"/>
+                        <a:t>m92u</a:t>
+                      </a:r>
+                      <a:r>
+                        <a:rPr lang="zh-CN" altLang="en-US" dirty="0"/>
+                        <a:t>机器人实机，进行机械臂正逆解器开发，部分测试所需功能实现（指定姿态工作空间生成、快速直线运动规划、工作状态图生成）</a:t>
+                      </a:r>
+                      <a:endParaRPr lang="en-US" altLang="zh-CN" dirty="0"/>
+                    </a:p>
+                  </a:txBody>
+                  <a:tcPr anchor="ctr"/>
+                </a:tc>
+                <a:tc>
+                  <a:txBody>
+                    <a:bodyPr/>
+                    <a:lstStyle/>
+                    <a:p>
+                      <a:pPr algn="ctr"/>
+                      <a:r>
+                        <a:rPr lang="zh-CN" altLang="en-US" dirty="0"/>
+                        <a:t>发现团队使用的</a:t>
+                      </a:r>
+                      <a:r>
+                        <a:rPr lang="en-US" altLang="zh-CN" dirty="0"/>
+                        <a:t>DH</a:t>
+                      </a:r>
+                      <a:r>
+                        <a:rPr lang="zh-CN" altLang="en-US" dirty="0"/>
+                        <a:t>参数表与机器人</a:t>
+                      </a:r>
+                      <a:r>
+                        <a:rPr lang="en-US" altLang="zh-CN" dirty="0" err="1"/>
+                        <a:t>urdf</a:t>
+                      </a:r>
+                      <a:r>
+                        <a:rPr lang="zh-CN" altLang="en-US" dirty="0"/>
+                        <a:t>文件不符，修正相关参数；</a:t>
+                      </a:r>
+                      <a:endParaRPr lang="en-US" altLang="zh-CN" dirty="0"/>
+                    </a:p>
+                    <a:p>
+                      <a:pPr algn="ctr"/>
+                      <a:r>
+                        <a:rPr lang="zh-CN" altLang="en-US" dirty="0"/>
+                        <a:t>由于机器人机械臂最后几个关节限制较多，难以指定姿态，寻找合理的进行国标测试的工作空间</a:t>
+                      </a:r>
+                    </a:p>
+                  </a:txBody>
+                  <a:tcPr anchor="ctr"/>
+                </a:tc>
+                <a:extLst>
+                  <a:ext uri="{0D108BD9-81ED-4DB2-BD59-A6C34878D82A}">
+                    <a16:rowId xmlns:a16="http://schemas.microsoft.com/office/drawing/2014/main" val="3286724886"/>
+                  </a:ext>
+                </a:extLst>
+              </a:tr>
+              <a:tr h="370840">
+                <a:tc>
+                  <a:txBody>
+                    <a:bodyPr/>
+                    <a:lstStyle/>
+                    <a:p>
+                      <a:pPr algn="ctr"/>
+                      <a:r>
+                        <a:rPr lang="zh-CN" altLang="en-US" dirty="0"/>
+                        <a:t>第三周</a:t>
+                      </a:r>
+                    </a:p>
+                  </a:txBody>
+                  <a:tcPr anchor="ctr"/>
+                </a:tc>
+                <a:tc>
+                  <a:txBody>
+                    <a:bodyPr/>
+                    <a:lstStyle/>
+                    <a:p>
+                      <a:pPr algn="ctr"/>
+                      <a:r>
+                        <a:rPr lang="zh-CN" altLang="en-US" dirty="0"/>
+                        <a:t>重构逆解器（基于</a:t>
+                      </a:r>
+                      <a:r>
+                        <a:rPr lang="en-US" altLang="zh-CN" dirty="0" err="1"/>
+                        <a:t>urdf</a:t>
+                      </a:r>
+                      <a:r>
+                        <a:rPr lang="zh-CN" altLang="en-US" dirty="0"/>
+                        <a:t>文件），优化逆解器方案，编写编译</a:t>
+                      </a:r>
+                      <a:r>
+                        <a:rPr lang="en-US" altLang="zh-CN" dirty="0"/>
+                        <a:t>C++</a:t>
+                      </a:r>
+                      <a:r>
+                        <a:rPr lang="zh-CN" altLang="en-US" dirty="0"/>
+                        <a:t>静态文件库及可执行文件</a:t>
+                      </a:r>
+                    </a:p>
+                  </a:txBody>
+                  <a:tcPr anchor="ctr"/>
+                </a:tc>
+                <a:tc>
+                  <a:txBody>
+                    <a:bodyPr/>
+                    <a:lstStyle/>
+                    <a:p>
+                      <a:pPr algn="ctr"/>
+                      <a:endParaRPr lang="zh-CN" altLang="en-US" dirty="0"/>
+                    </a:p>
+                  </a:txBody>
+                  <a:tcPr anchor="ctr"/>
+                </a:tc>
+                <a:extLst>
+                  <a:ext uri="{0D108BD9-81ED-4DB2-BD59-A6C34878D82A}">
+                    <a16:rowId xmlns:a16="http://schemas.microsoft.com/office/drawing/2014/main" val="1520871203"/>
+                  </a:ext>
+                </a:extLst>
+              </a:tr>
+            </a:tbl>
+          </a:graphicData>
+        </a:graphic>
+      </p:graphicFrame>
+    </p:spTree>
+    <p:extLst>
+      <p:ext uri="{BB962C8B-B14F-4D97-AF65-F5344CB8AC3E}">
+        <p14:creationId xmlns:p14="http://schemas.microsoft.com/office/powerpoint/2010/main" val="1525240528"/>
+      </p:ext>
+    </p:extLst>
+  </p:cSld>
+  <p:clrMapOvr>
+    <a:masterClrMapping/>
+  </p:clrMapOvr>
+  <mc:AlternateContent xmlns:mc="http://schemas.openxmlformats.org/markup-compatibility/2006" xmlns:p159="http://schemas.microsoft.com/office/powerpoint/2015/09/main">
+    <mc:Choice Requires="p159">
+      <p:transition xmlns:p14="http://schemas.microsoft.com/office/powerpoint/2010/main" spd="slow" p14:dur="2000">
+        <p159:morph option="byObject"/>
+      </p:transition>
+    </mc:Choice>
+    <mc:Fallback xmlns="">
+      <p:transition spd="slow">
+        <p:fade/>
+      </p:transition>
+    </mc:Fallback>
+  </mc:AlternateContent>
+</p:sld>
+</file>
+
+<file path=ppt/slides/slide11.xml><?xml version="1.0" encoding="utf-8"?>
+<p:sld xmlns:a="http://schemas.openxmlformats.org/drawingml/2006/main" xmlns:r="http://schemas.openxmlformats.org/officeDocument/2006/relationships" xmlns:p="http://schemas.openxmlformats.org/presentationml/2006/main">
+  <p:cSld>
+    <p:spTree>
+      <p:nvGrpSpPr>
         <p:cNvPr id="1" name=""/>
         <p:cNvGrpSpPr/>
         <p:nvPr/>
@@ -14147,7 +14825,7 @@
           <p:nvPr>
             <p:extLst>
               <p:ext uri="{D42A27DB-BD31-4B8C-83A1-F6EECF244321}">
-                <p14:modId xmlns:p14="http://schemas.microsoft.com/office/powerpoint/2010/main" val="1005934412"/>
+                <p14:modId xmlns:p14="http://schemas.microsoft.com/office/powerpoint/2010/main" val="1856511726"/>
               </p:ext>
             </p:extLst>
           </p:nvPr>
@@ -14162,6 +14840,448 @@
           </a:graphicData>
         </a:graphic>
       </p:graphicFrame>
+      <p:sp>
+        <p:nvSpPr>
+          <p:cNvPr id="2" name="文本框 1">
+            <a:extLst>
+              <a:ext uri="{FF2B5EF4-FFF2-40B4-BE49-F238E27FC236}">
+                <a16:creationId xmlns:a16="http://schemas.microsoft.com/office/drawing/2014/main" id="{32177243-66DB-7217-DC88-272A7E11A296}"/>
+              </a:ext>
+            </a:extLst>
+          </p:cNvPr>
+          <p:cNvSpPr txBox="1"/>
+          <p:nvPr/>
+        </p:nvSpPr>
+        <p:spPr>
+          <a:xfrm>
+            <a:off x="1385669" y="1979271"/>
+            <a:ext cx="646331" cy="369332"/>
+          </a:xfrm>
+          <a:prstGeom prst="rect">
+            <a:avLst/>
+          </a:prstGeom>
+          <a:noFill/>
+        </p:spPr>
+        <p:txBody>
+          <a:bodyPr wrap="none" rtlCol="0">
+            <a:spAutoFit/>
+          </a:bodyPr>
+          <a:lstStyle/>
+          <a:p>
+            <a:r>
+              <a:rPr lang="zh-CN" altLang="en-US" dirty="0">
+                <a:solidFill>
+                  <a:schemeClr val="accent1">
+                    <a:lumMod val="60000"/>
+                    <a:lumOff val="40000"/>
+                  </a:schemeClr>
+                </a:solidFill>
+              </a:rPr>
+              <a:t>本周</a:t>
+            </a:r>
+          </a:p>
+        </p:txBody>
+      </p:sp>
+      <p:sp>
+        <p:nvSpPr>
+          <p:cNvPr id="4" name="文本框 3">
+            <a:extLst>
+              <a:ext uri="{FF2B5EF4-FFF2-40B4-BE49-F238E27FC236}">
+                <a16:creationId xmlns:a16="http://schemas.microsoft.com/office/drawing/2014/main" id="{2D0FD038-9863-8C6C-4ADC-1A58AF7D169E}"/>
+              </a:ext>
+            </a:extLst>
+          </p:cNvPr>
+          <p:cNvSpPr txBox="1"/>
+          <p:nvPr/>
+        </p:nvSpPr>
+        <p:spPr>
+          <a:xfrm>
+            <a:off x="898356" y="1609939"/>
+            <a:ext cx="1133644" cy="369332"/>
+          </a:xfrm>
+          <a:prstGeom prst="rect">
+            <a:avLst/>
+          </a:prstGeom>
+          <a:noFill/>
+        </p:spPr>
+        <p:txBody>
+          <a:bodyPr wrap="none" rtlCol="0">
+            <a:spAutoFit/>
+          </a:bodyPr>
+          <a:lstStyle/>
+          <a:p>
+            <a:r>
+              <a:rPr lang="en-US" altLang="zh-CN" dirty="0">
+                <a:solidFill>
+                  <a:schemeClr val="accent1">
+                    <a:lumMod val="60000"/>
+                    <a:lumOff val="40000"/>
+                  </a:schemeClr>
+                </a:solidFill>
+              </a:rPr>
+              <a:t>7.21-7.27</a:t>
+            </a:r>
+            <a:endParaRPr lang="zh-CN" altLang="en-US" dirty="0">
+              <a:solidFill>
+                <a:schemeClr val="accent1">
+                  <a:lumMod val="60000"/>
+                  <a:lumOff val="40000"/>
+                </a:schemeClr>
+              </a:solidFill>
+            </a:endParaRPr>
+          </a:p>
+        </p:txBody>
+      </p:sp>
+      <p:sp>
+        <p:nvSpPr>
+          <p:cNvPr id="5" name="文本框 4">
+            <a:extLst>
+              <a:ext uri="{FF2B5EF4-FFF2-40B4-BE49-F238E27FC236}">
+                <a16:creationId xmlns:a16="http://schemas.microsoft.com/office/drawing/2014/main" id="{4914BCDB-82FF-EFC8-C61D-7E25889AF52C}"/>
+              </a:ext>
+            </a:extLst>
+          </p:cNvPr>
+          <p:cNvSpPr txBox="1"/>
+          <p:nvPr/>
+        </p:nvSpPr>
+        <p:spPr>
+          <a:xfrm>
+            <a:off x="898356" y="1240607"/>
+            <a:ext cx="1133644" cy="369332"/>
+          </a:xfrm>
+          <a:prstGeom prst="rect">
+            <a:avLst/>
+          </a:prstGeom>
+          <a:noFill/>
+        </p:spPr>
+        <p:txBody>
+          <a:bodyPr wrap="none" rtlCol="0">
+            <a:spAutoFit/>
+          </a:bodyPr>
+          <a:lstStyle/>
+          <a:p>
+            <a:r>
+              <a:rPr lang="en-US" altLang="zh-CN" dirty="0">
+                <a:solidFill>
+                  <a:schemeClr val="accent1">
+                    <a:lumMod val="60000"/>
+                    <a:lumOff val="40000"/>
+                  </a:schemeClr>
+                </a:solidFill>
+              </a:rPr>
+              <a:t>7.15-7.20</a:t>
+            </a:r>
+            <a:endParaRPr lang="zh-CN" altLang="en-US" dirty="0">
+              <a:solidFill>
+                <a:schemeClr val="accent1">
+                  <a:lumMod val="60000"/>
+                  <a:lumOff val="40000"/>
+                </a:schemeClr>
+              </a:solidFill>
+            </a:endParaRPr>
+          </a:p>
+        </p:txBody>
+      </p:sp>
+      <p:sp>
+        <p:nvSpPr>
+          <p:cNvPr id="6" name="文本框 5">
+            <a:extLst>
+              <a:ext uri="{FF2B5EF4-FFF2-40B4-BE49-F238E27FC236}">
+                <a16:creationId xmlns:a16="http://schemas.microsoft.com/office/drawing/2014/main" id="{89980897-9375-4FE3-6CDE-5317EB8DAE35}"/>
+              </a:ext>
+            </a:extLst>
+          </p:cNvPr>
+          <p:cNvSpPr txBox="1"/>
+          <p:nvPr/>
+        </p:nvSpPr>
+        <p:spPr>
+          <a:xfrm>
+            <a:off x="857249" y="3456599"/>
+            <a:ext cx="1133644" cy="369332"/>
+          </a:xfrm>
+          <a:prstGeom prst="rect">
+            <a:avLst/>
+          </a:prstGeom>
+          <a:noFill/>
+        </p:spPr>
+        <p:txBody>
+          <a:bodyPr wrap="none" rtlCol="0">
+            <a:spAutoFit/>
+          </a:bodyPr>
+          <a:lstStyle/>
+          <a:p>
+            <a:r>
+              <a:rPr lang="en-US" altLang="zh-CN" dirty="0">
+                <a:solidFill>
+                  <a:schemeClr val="accent1">
+                    <a:lumMod val="60000"/>
+                    <a:lumOff val="40000"/>
+                  </a:schemeClr>
+                </a:solidFill>
+              </a:rPr>
+              <a:t>8.18-8.24</a:t>
+            </a:r>
+            <a:endParaRPr lang="zh-CN" altLang="en-US" dirty="0">
+              <a:solidFill>
+                <a:schemeClr val="accent1">
+                  <a:lumMod val="60000"/>
+                  <a:lumOff val="40000"/>
+                </a:schemeClr>
+              </a:solidFill>
+            </a:endParaRPr>
+          </a:p>
+        </p:txBody>
+      </p:sp>
+      <p:sp>
+        <p:nvSpPr>
+          <p:cNvPr id="7" name="文本框 6">
+            <a:extLst>
+              <a:ext uri="{FF2B5EF4-FFF2-40B4-BE49-F238E27FC236}">
+                <a16:creationId xmlns:a16="http://schemas.microsoft.com/office/drawing/2014/main" id="{349B9D82-6078-0B82-72D6-EFDB8E06A48E}"/>
+              </a:ext>
+            </a:extLst>
+          </p:cNvPr>
+          <p:cNvSpPr txBox="1"/>
+          <p:nvPr/>
+        </p:nvSpPr>
+        <p:spPr>
+          <a:xfrm>
+            <a:off x="857249" y="3087267"/>
+            <a:ext cx="1133644" cy="369332"/>
+          </a:xfrm>
+          <a:prstGeom prst="rect">
+            <a:avLst/>
+          </a:prstGeom>
+          <a:noFill/>
+        </p:spPr>
+        <p:txBody>
+          <a:bodyPr wrap="none" rtlCol="0">
+            <a:spAutoFit/>
+          </a:bodyPr>
+          <a:lstStyle/>
+          <a:p>
+            <a:r>
+              <a:rPr lang="en-US" altLang="zh-CN" dirty="0">
+                <a:solidFill>
+                  <a:schemeClr val="accent1">
+                    <a:lumMod val="60000"/>
+                    <a:lumOff val="40000"/>
+                  </a:schemeClr>
+                </a:solidFill>
+              </a:rPr>
+              <a:t>8.11-8.17</a:t>
+            </a:r>
+            <a:endParaRPr lang="zh-CN" altLang="en-US" dirty="0">
+              <a:solidFill>
+                <a:schemeClr val="accent1">
+                  <a:lumMod val="60000"/>
+                  <a:lumOff val="40000"/>
+                </a:schemeClr>
+              </a:solidFill>
+            </a:endParaRPr>
+          </a:p>
+        </p:txBody>
+      </p:sp>
+      <p:sp>
+        <p:nvSpPr>
+          <p:cNvPr id="9" name="文本框 8">
+            <a:extLst>
+              <a:ext uri="{FF2B5EF4-FFF2-40B4-BE49-F238E27FC236}">
+                <a16:creationId xmlns:a16="http://schemas.microsoft.com/office/drawing/2014/main" id="{C415D69A-1B5A-ED87-74A3-4F3FC71CBD44}"/>
+              </a:ext>
+            </a:extLst>
+          </p:cNvPr>
+          <p:cNvSpPr txBox="1"/>
+          <p:nvPr/>
+        </p:nvSpPr>
+        <p:spPr>
+          <a:xfrm>
+            <a:off x="857249" y="2717935"/>
+            <a:ext cx="1133644" cy="369332"/>
+          </a:xfrm>
+          <a:prstGeom prst="rect">
+            <a:avLst/>
+          </a:prstGeom>
+          <a:noFill/>
+        </p:spPr>
+        <p:txBody>
+          <a:bodyPr wrap="none" rtlCol="0">
+            <a:spAutoFit/>
+          </a:bodyPr>
+          <a:lstStyle/>
+          <a:p>
+            <a:r>
+              <a:rPr lang="en-US" altLang="zh-CN" dirty="0">
+                <a:solidFill>
+                  <a:schemeClr val="accent1">
+                    <a:lumMod val="60000"/>
+                    <a:lumOff val="40000"/>
+                  </a:schemeClr>
+                </a:solidFill>
+              </a:rPr>
+              <a:t>8.04-8.10</a:t>
+            </a:r>
+            <a:endParaRPr lang="zh-CN" altLang="en-US" dirty="0">
+              <a:solidFill>
+                <a:schemeClr val="accent1">
+                  <a:lumMod val="60000"/>
+                  <a:lumOff val="40000"/>
+                </a:schemeClr>
+              </a:solidFill>
+            </a:endParaRPr>
+          </a:p>
+        </p:txBody>
+      </p:sp>
+      <p:sp>
+        <p:nvSpPr>
+          <p:cNvPr id="10" name="文本框 9">
+            <a:extLst>
+              <a:ext uri="{FF2B5EF4-FFF2-40B4-BE49-F238E27FC236}">
+                <a16:creationId xmlns:a16="http://schemas.microsoft.com/office/drawing/2014/main" id="{067E2060-46FD-B66E-3DE4-9004AF0F0E4B}"/>
+              </a:ext>
+            </a:extLst>
+          </p:cNvPr>
+          <p:cNvSpPr txBox="1"/>
+          <p:nvPr/>
+        </p:nvSpPr>
+        <p:spPr>
+          <a:xfrm>
+            <a:off x="898356" y="5248061"/>
+            <a:ext cx="1133644" cy="369332"/>
+          </a:xfrm>
+          <a:prstGeom prst="rect">
+            <a:avLst/>
+          </a:prstGeom>
+          <a:noFill/>
+        </p:spPr>
+        <p:txBody>
+          <a:bodyPr wrap="none" rtlCol="0">
+            <a:spAutoFit/>
+          </a:bodyPr>
+          <a:lstStyle/>
+          <a:p>
+            <a:r>
+              <a:rPr lang="en-US" altLang="zh-CN" dirty="0">
+                <a:solidFill>
+                  <a:schemeClr val="accent1">
+                    <a:lumMod val="60000"/>
+                    <a:lumOff val="40000"/>
+                  </a:schemeClr>
+                </a:solidFill>
+              </a:rPr>
+              <a:t>9.08-9.14</a:t>
+            </a:r>
+            <a:endParaRPr lang="zh-CN" altLang="en-US" dirty="0">
+              <a:solidFill>
+                <a:schemeClr val="accent1">
+                  <a:lumMod val="60000"/>
+                  <a:lumOff val="40000"/>
+                </a:schemeClr>
+              </a:solidFill>
+            </a:endParaRPr>
+          </a:p>
+        </p:txBody>
+      </p:sp>
+      <p:sp>
+        <p:nvSpPr>
+          <p:cNvPr id="11" name="文本框 10">
+            <a:extLst>
+              <a:ext uri="{FF2B5EF4-FFF2-40B4-BE49-F238E27FC236}">
+                <a16:creationId xmlns:a16="http://schemas.microsoft.com/office/drawing/2014/main" id="{C93D788C-AF66-9A05-9645-84B43B347D94}"/>
+              </a:ext>
+            </a:extLst>
+          </p:cNvPr>
+          <p:cNvSpPr txBox="1"/>
+          <p:nvPr/>
+        </p:nvSpPr>
+        <p:spPr>
+          <a:xfrm>
+            <a:off x="898356" y="4878729"/>
+            <a:ext cx="1133644" cy="369332"/>
+          </a:xfrm>
+          <a:prstGeom prst="rect">
+            <a:avLst/>
+          </a:prstGeom>
+          <a:noFill/>
+        </p:spPr>
+        <p:txBody>
+          <a:bodyPr wrap="none" rtlCol="0">
+            <a:spAutoFit/>
+          </a:bodyPr>
+          <a:lstStyle/>
+          <a:p>
+            <a:r>
+              <a:rPr lang="en-US" altLang="zh-CN" dirty="0">
+                <a:solidFill>
+                  <a:schemeClr val="accent1">
+                    <a:lumMod val="60000"/>
+                    <a:lumOff val="40000"/>
+                  </a:schemeClr>
+                </a:solidFill>
+              </a:rPr>
+              <a:t>9.01-9.07</a:t>
+            </a:r>
+            <a:endParaRPr lang="zh-CN" altLang="en-US" dirty="0">
+              <a:solidFill>
+                <a:schemeClr val="accent1">
+                  <a:lumMod val="60000"/>
+                  <a:lumOff val="40000"/>
+                </a:schemeClr>
+              </a:solidFill>
+            </a:endParaRPr>
+          </a:p>
+        </p:txBody>
+      </p:sp>
+      <p:sp>
+        <p:nvSpPr>
+          <p:cNvPr id="12" name="文本框 11">
+            <a:extLst>
+              <a:ext uri="{FF2B5EF4-FFF2-40B4-BE49-F238E27FC236}">
+                <a16:creationId xmlns:a16="http://schemas.microsoft.com/office/drawing/2014/main" id="{1A4512F6-4684-C672-95DE-5E3281AF990C}"/>
+              </a:ext>
+            </a:extLst>
+          </p:cNvPr>
+          <p:cNvSpPr txBox="1"/>
+          <p:nvPr/>
+        </p:nvSpPr>
+        <p:spPr>
+          <a:xfrm>
+            <a:off x="898356" y="4509397"/>
+            <a:ext cx="1133644" cy="369332"/>
+          </a:xfrm>
+          <a:prstGeom prst="rect">
+            <a:avLst/>
+          </a:prstGeom>
+          <a:noFill/>
+        </p:spPr>
+        <p:txBody>
+          <a:bodyPr wrap="none" rtlCol="0">
+            <a:spAutoFit/>
+          </a:bodyPr>
+          <a:lstStyle/>
+          <a:p>
+            <a:r>
+              <a:rPr lang="en-US" altLang="zh-CN" dirty="0">
+                <a:solidFill>
+                  <a:schemeClr val="accent1">
+                    <a:lumMod val="60000"/>
+                    <a:lumOff val="40000"/>
+                  </a:schemeClr>
+                </a:solidFill>
+              </a:rPr>
+              <a:t>8.25-8.31</a:t>
+            </a:r>
+            <a:endParaRPr lang="zh-CN" altLang="en-US" dirty="0">
+              <a:solidFill>
+                <a:schemeClr val="accent1">
+                  <a:lumMod val="60000"/>
+                  <a:lumOff val="40000"/>
+                </a:schemeClr>
+              </a:solidFill>
+            </a:endParaRPr>
+          </a:p>
+        </p:txBody>
+      </p:sp>
     </p:spTree>
     <p:extLst>
       <p:ext uri="{BB962C8B-B14F-4D97-AF65-F5344CB8AC3E}">
@@ -14857,6 +15977,9 @@
                     <p:cTn id="3" fill="hold">
                       <p:stCondLst>
                         <p:cond delay="indefinite"/>
+                        <p:cond evt="onBegin" delay="0">
+                          <p:tn val="2"/>
+                        </p:cond>
                       </p:stCondLst>
                       <p:childTnLst>
                         <p:par>
@@ -14866,7 +15989,7 @@
                             </p:stCondLst>
                             <p:childTnLst>
                               <p:par>
-                                <p:cTn id="5" presetID="1" presetClass="mediacall" presetSubtype="0" fill="hold" nodeType="clickEffect">
+                                <p:cTn id="5" presetID="1" presetClass="mediacall" presetSubtype="0" fill="hold" nodeType="afterEffect">
                                   <p:stCondLst>
                                     <p:cond delay="0"/>
                                   </p:stCondLst>
@@ -14906,8 +16029,8 @@
               </p:nextCondLst>
             </p:seq>
             <p:video>
-              <p:cMediaNode vol="80000">
-                <p:cTn id="7" fill="hold" display="0">
+              <p:cMediaNode vol="80000" mute="1">
+                <p:cTn id="7" repeatCount="indefinite" fill="hold" display="0">
                   <p:stCondLst>
                     <p:cond delay="indefinite"/>
                   </p:stCondLst>
